--- a/Presentation/Project Presentation.pptx
+++ b/Presentation/Project Presentation.pptx
@@ -374,7 +374,7 @@
           <a:p>
             <a:fld id="{12A3897E-C154-4A50-AC83-AB3B5078EDF1}" type="datetimeFigureOut">
               <a:rPr lang="en-GB" smtClean="0"/>
-              <a:t>05/04/2017</a:t>
+              <a:t>09/04/2017</a:t>
             </a:fld>
             <a:endParaRPr lang="en-GB"/>
           </a:p>
@@ -636,7 +636,7 @@
           <a:p>
             <a:fld id="{12A3897E-C154-4A50-AC83-AB3B5078EDF1}" type="datetimeFigureOut">
               <a:rPr lang="en-GB" smtClean="0"/>
-              <a:t>05/04/2017</a:t>
+              <a:t>09/04/2017</a:t>
             </a:fld>
             <a:endParaRPr lang="en-GB"/>
           </a:p>
@@ -871,7 +871,7 @@
           <a:p>
             <a:fld id="{12A3897E-C154-4A50-AC83-AB3B5078EDF1}" type="datetimeFigureOut">
               <a:rPr lang="en-GB" smtClean="0"/>
-              <a:t>05/04/2017</a:t>
+              <a:t>09/04/2017</a:t>
             </a:fld>
             <a:endParaRPr lang="en-GB"/>
           </a:p>
@@ -1111,7 +1111,7 @@
           <a:p>
             <a:fld id="{12A3897E-C154-4A50-AC83-AB3B5078EDF1}" type="datetimeFigureOut">
               <a:rPr lang="en-GB" smtClean="0"/>
-              <a:t>05/04/2017</a:t>
+              <a:t>09/04/2017</a:t>
             </a:fld>
             <a:endParaRPr lang="en-GB"/>
           </a:p>
@@ -1418,7 +1418,7 @@
           <a:p>
             <a:fld id="{12A3897E-C154-4A50-AC83-AB3B5078EDF1}" type="datetimeFigureOut">
               <a:rPr lang="en-GB" smtClean="0"/>
-              <a:t>05/04/2017</a:t>
+              <a:t>09/04/2017</a:t>
             </a:fld>
             <a:endParaRPr lang="en-GB"/>
           </a:p>
@@ -1720,7 +1720,7 @@
           <a:p>
             <a:fld id="{12A3897E-C154-4A50-AC83-AB3B5078EDF1}" type="datetimeFigureOut">
               <a:rPr lang="en-GB" smtClean="0"/>
-              <a:t>05/04/2017</a:t>
+              <a:t>09/04/2017</a:t>
             </a:fld>
             <a:endParaRPr lang="en-GB"/>
           </a:p>
@@ -2142,7 +2142,7 @@
           <a:p>
             <a:fld id="{12A3897E-C154-4A50-AC83-AB3B5078EDF1}" type="datetimeFigureOut">
               <a:rPr lang="en-GB" smtClean="0"/>
-              <a:t>05/04/2017</a:t>
+              <a:t>09/04/2017</a:t>
             </a:fld>
             <a:endParaRPr lang="en-GB"/>
           </a:p>
@@ -2237,7 +2237,7 @@
           <a:p>
             <a:fld id="{12A3897E-C154-4A50-AC83-AB3B5078EDF1}" type="datetimeFigureOut">
               <a:rPr lang="en-GB" smtClean="0"/>
-              <a:t>05/04/2017</a:t>
+              <a:t>09/04/2017</a:t>
             </a:fld>
             <a:endParaRPr lang="en-GB"/>
           </a:p>
@@ -2399,7 +2399,7 @@
           <a:p>
             <a:fld id="{12A3897E-C154-4A50-AC83-AB3B5078EDF1}" type="datetimeFigureOut">
               <a:rPr lang="en-GB" smtClean="0"/>
-              <a:t>05/04/2017</a:t>
+              <a:t>09/04/2017</a:t>
             </a:fld>
             <a:endParaRPr lang="en-GB"/>
           </a:p>
@@ -2777,7 +2777,7 @@
           <a:p>
             <a:fld id="{12A3897E-C154-4A50-AC83-AB3B5078EDF1}" type="datetimeFigureOut">
               <a:rPr lang="en-GB" smtClean="0"/>
-              <a:t>05/04/2017</a:t>
+              <a:t>09/04/2017</a:t>
             </a:fld>
             <a:endParaRPr lang="en-GB"/>
           </a:p>
@@ -3066,7 +3066,7 @@
           <a:p>
             <a:fld id="{12A3897E-C154-4A50-AC83-AB3B5078EDF1}" type="datetimeFigureOut">
               <a:rPr lang="en-GB" smtClean="0"/>
-              <a:t>05/04/2017</a:t>
+              <a:t>09/04/2017</a:t>
             </a:fld>
             <a:endParaRPr lang="en-GB"/>
           </a:p>
@@ -3277,7 +3277,7 @@
           <a:p>
             <a:fld id="{12A3897E-C154-4A50-AC83-AB3B5078EDF1}" type="datetimeFigureOut">
               <a:rPr lang="en-GB" smtClean="0"/>
-              <a:t>05/04/2017</a:t>
+              <a:t>09/04/2017</a:t>
             </a:fld>
             <a:endParaRPr lang="en-GB"/>
           </a:p>
@@ -3928,8 +3928,8 @@
               <a:t>Alistair </a:t>
             </a:r>
             <a:r>
-              <a:rPr lang="en-GB" dirty="0" err="1" smtClean="0"/>
-              <a:t>jewers</a:t>
+              <a:rPr lang="en-GB" dirty="0" smtClean="0"/>
+              <a:t>Jewers</a:t>
             </a:r>
             <a:endParaRPr lang="en-GB" dirty="0" smtClean="0"/>
           </a:p>
@@ -4178,16 +4178,8 @@
               <a:t>Supervisor – </a:t>
             </a:r>
             <a:r>
-              <a:rPr lang="en-GB" dirty="0" err="1" smtClean="0"/>
-              <a:t>alan</a:t>
-            </a:r>
-            <a:r>
-              <a:rPr lang="en-GB" dirty="0" smtClean="0"/>
-              <a:t> </a:t>
-            </a:r>
-            <a:r>
-              <a:rPr lang="en-GB" dirty="0" err="1" smtClean="0"/>
-              <a:t>millard</a:t>
+              <a:rPr lang="en-GB" dirty="0" smtClean="0"/>
+              <a:t>Alan Millard</a:t>
             </a:r>
             <a:endParaRPr lang="en-GB" dirty="0" smtClean="0"/>
           </a:p>
@@ -4517,17 +4509,8 @@
           <a:p>
             <a:r>
               <a:rPr lang="en-GB" dirty="0" smtClean="0"/>
-              <a:t>[</a:t>
-            </a:r>
-            <a:r>
-              <a:rPr lang="en-GB" dirty="0" smtClean="0"/>
-              <a:t>SCREENSHOTS OF ROBOT </a:t>
-            </a:r>
-            <a:r>
-              <a:rPr lang="en-GB" dirty="0" smtClean="0"/>
-              <a:t>TRACKING]</a:t>
-            </a:r>
-            <a:endParaRPr lang="en-GB" dirty="0" smtClean="0"/>
+              <a:t>[SCREENSHOTS OF ROBOT TRACKING]</a:t>
+            </a:r>
           </a:p>
           <a:p>
             <a:r>
@@ -4738,23 +4721,7 @@
           <a:p>
             <a:r>
               <a:rPr lang="en-GB" dirty="0" smtClean="0"/>
-              <a:t>[</a:t>
-            </a:r>
-            <a:r>
-              <a:rPr lang="en-GB" dirty="0" smtClean="0"/>
-              <a:t>SCREENSHOTS OF </a:t>
-            </a:r>
-            <a:r>
-              <a:rPr lang="en-GB" dirty="0" smtClean="0"/>
-              <a:t>EACH </a:t>
-            </a:r>
-            <a:r>
-              <a:rPr lang="en-GB" dirty="0" smtClean="0"/>
-              <a:t>DATA </a:t>
-            </a:r>
-            <a:r>
-              <a:rPr lang="en-GB" dirty="0" smtClean="0"/>
-              <a:t>TYPE</a:t>
+              <a:t>[SCREENSHOTS OF EACH DATA TYPE</a:t>
             </a:r>
             <a:r>
               <a:rPr lang="en-GB" dirty="0"/>
@@ -7001,8 +6968,25 @@
           <a:p>
             <a:r>
               <a:rPr lang="en-GB" dirty="0" smtClean="0"/>
-              <a:t>Augment the video feed with graphical representations of the retrieved data</a:t>
-            </a:r>
+              <a:t>Augment the video feed with graphical representations of the retrieved </a:t>
+            </a:r>
+            <a:r>
+              <a:rPr lang="en-GB" dirty="0" smtClean="0"/>
+              <a:t>data</a:t>
+            </a:r>
+          </a:p>
+          <a:p>
+            <a:r>
+              <a:rPr lang="en-GB" dirty="0" smtClean="0"/>
+              <a:t>[IMAGE : (raw video image) + (robot emitting data) </a:t>
+            </a:r>
+            <a:r>
+              <a:rPr lang="en-GB" dirty="0" smtClean="0">
+                <a:sym typeface="Wingdings" panose="05000000000000000000" pitchFamily="2" charset="2"/>
+              </a:rPr>
+              <a:t> (augmented video)</a:t>
+            </a:r>
+            <a:endParaRPr lang="en-GB" dirty="0" smtClean="0"/>
           </a:p>
         </p:txBody>
       </p:sp>
@@ -7201,15 +7185,27 @@
           <a:p>
             <a:r>
               <a:rPr lang="en-GB" dirty="0" smtClean="0"/>
-              <a:t>Practical work carried out at the York Robotics Laboratory, on </a:t>
+              <a:t>Practical work carried out at the York Robotics Laboratory</a:t>
+            </a:r>
+            <a:r>
+              <a:rPr lang="en-GB" smtClean="0"/>
+              <a:t>, </a:t>
+            </a:r>
+            <a:r>
+              <a:rPr lang="en-GB" smtClean="0"/>
+              <a:t>on </a:t>
             </a:r>
             <a:r>
               <a:rPr lang="en-GB" dirty="0" err="1" smtClean="0"/>
-              <a:t>Hes</a:t>
-            </a:r>
-            <a:r>
-              <a:rPr lang="en-GB" dirty="0" smtClean="0"/>
-              <a:t> East</a:t>
+              <a:t>Heslington</a:t>
+            </a:r>
+            <a:r>
+              <a:rPr lang="en-GB" dirty="0" smtClean="0"/>
+              <a:t> </a:t>
+            </a:r>
+            <a:r>
+              <a:rPr lang="en-GB" dirty="0" smtClean="0"/>
+              <a:t>East</a:t>
             </a:r>
           </a:p>
           <a:p>

--- a/Presentation/Project Presentation.pptx
+++ b/Presentation/Project Presentation.pptx
@@ -3925,13 +3925,8 @@
           <a:p>
             <a:r>
               <a:rPr lang="en-GB" dirty="0" smtClean="0"/>
-              <a:t>Alistair </a:t>
-            </a:r>
-            <a:r>
-              <a:rPr lang="en-GB" dirty="0" smtClean="0"/>
-              <a:t>Jewers</a:t>
-            </a:r>
-            <a:endParaRPr lang="en-GB" dirty="0" smtClean="0"/>
+              <a:t>Alistair Jewers</a:t>
+            </a:r>
           </a:p>
         </p:txBody>
       </p:sp>
@@ -4175,13 +4170,8 @@
           <a:p>
             <a:r>
               <a:rPr lang="en-GB" dirty="0" smtClean="0"/>
-              <a:t>Supervisor – </a:t>
-            </a:r>
-            <a:r>
-              <a:rPr lang="en-GB" dirty="0" smtClean="0"/>
-              <a:t>Alan Millard</a:t>
-            </a:r>
-            <a:endParaRPr lang="en-GB" dirty="0" smtClean="0"/>
+              <a:t>Supervisor – Alan Millard</a:t>
+            </a:r>
           </a:p>
         </p:txBody>
       </p:sp>
@@ -4292,7 +4282,11 @@
           <a:p>
             <a:r>
               <a:rPr lang="en-GB" dirty="0" smtClean="0"/>
-              <a:t>Video feed images are managed using </a:t>
+              <a:t>Image processing managed </a:t>
+            </a:r>
+            <a:r>
+              <a:rPr lang="en-GB" dirty="0" smtClean="0"/>
+              <a:t>using </a:t>
             </a:r>
             <a:r>
               <a:rPr lang="en-GB" dirty="0" err="1" smtClean="0"/>
@@ -4502,21 +4496,40 @@
           <a:lstStyle/>
           <a:p>
             <a:r>
-              <a:rPr lang="en-GB" dirty="0" smtClean="0"/>
-              <a:t>Robot tracking and video feed augmentation are working</a:t>
-            </a:r>
-          </a:p>
-          <a:p>
-            <a:r>
-              <a:rPr lang="en-GB" dirty="0" smtClean="0"/>
-              <a:t>[SCREENSHOTS OF ROBOT TRACKING]</a:t>
-            </a:r>
-          </a:p>
-          <a:p>
-            <a:r>
-              <a:rPr lang="en-GB" dirty="0" smtClean="0"/>
-              <a:t>Implemented in C++</a:t>
-            </a:r>
+              <a:rPr lang="en-GB" dirty="0"/>
+              <a:t>Implemented in C</a:t>
+            </a:r>
+            <a:r>
+              <a:rPr lang="en-GB" dirty="0" smtClean="0"/>
+              <a:t>++</a:t>
+            </a:r>
+          </a:p>
+          <a:p>
+            <a:r>
+              <a:rPr lang="en-GB" dirty="0" smtClean="0"/>
+              <a:t>Core aspects of the application have been implemented</a:t>
+            </a:r>
+          </a:p>
+          <a:p>
+            <a:r>
+              <a:rPr lang="en-GB" dirty="0" smtClean="0"/>
+              <a:t>Robot </a:t>
+            </a:r>
+            <a:r>
+              <a:rPr lang="en-GB" dirty="0" smtClean="0"/>
+              <a:t>tracking and video feed augmentation are working</a:t>
+            </a:r>
+          </a:p>
+          <a:p>
+            <a:r>
+              <a:rPr lang="en-GB" dirty="0" smtClean="0"/>
+              <a:t>[SCREENSHOTS OF ROBOT TRACKING</a:t>
+            </a:r>
+            <a:r>
+              <a:rPr lang="en-GB" dirty="0" smtClean="0"/>
+              <a:t>]</a:t>
+            </a:r>
+            <a:endParaRPr lang="en-GB" dirty="0" smtClean="0"/>
           </a:p>
         </p:txBody>
       </p:sp>
@@ -4714,9 +4727,32 @@
           <a:lstStyle/>
           <a:p>
             <a:r>
+              <a:rPr lang="en-GB" dirty="0" smtClean="0"/>
+              <a:t>Several </a:t>
+            </a:r>
+            <a:r>
               <a:rPr lang="en-GB" dirty="0"/>
-              <a:t>Several data types implemented</a:t>
-            </a:r>
+              <a:t>data types </a:t>
+            </a:r>
+            <a:r>
+              <a:rPr lang="en-GB" dirty="0" smtClean="0"/>
+              <a:t>implemented in both dat</a:t>
+            </a:r>
+            <a:r>
+              <a:rPr lang="en-GB" dirty="0" smtClean="0"/>
+              <a:t>a model and UI</a:t>
+            </a:r>
+          </a:p>
+          <a:p>
+            <a:r>
+              <a:rPr lang="en-GB" dirty="0" smtClean="0"/>
+              <a:t>Network code for receiving data via </a:t>
+            </a:r>
+            <a:r>
+              <a:rPr lang="en-GB" dirty="0" err="1" smtClean="0"/>
+              <a:t>WiFi</a:t>
+            </a:r>
+            <a:endParaRPr lang="en-GB" dirty="0"/>
           </a:p>
           <a:p>
             <a:r>
@@ -4926,7 +4962,11 @@
           <a:p>
             <a:r>
               <a:rPr lang="en-GB" dirty="0" smtClean="0"/>
-              <a:t>Simple networking code</a:t>
+              <a:t>Networking </a:t>
+            </a:r>
+            <a:r>
+              <a:rPr lang="en-GB" dirty="0" smtClean="0"/>
+              <a:t>code</a:t>
             </a:r>
           </a:p>
           <a:p>
@@ -5839,15 +5879,51 @@
             <a:pPr lvl="1"/>
             <a:r>
               <a:rPr lang="en-GB" dirty="0" smtClean="0"/>
-              <a:t>This system has been developed in order to tackle issues with debugging swarm robotics systems in real time</a:t>
+              <a:t>Developed </a:t>
+            </a:r>
+            <a:r>
+              <a:rPr lang="en-GB" dirty="0" smtClean="0"/>
+              <a:t>in order to tackle issues with debugging swarm robotics systems in real </a:t>
+            </a:r>
+            <a:r>
+              <a:rPr lang="en-GB" dirty="0" smtClean="0"/>
+              <a:t>time.</a:t>
             </a:r>
           </a:p>
           <a:p>
             <a:pPr lvl="1"/>
             <a:r>
               <a:rPr lang="en-GB" dirty="0" smtClean="0"/>
-              <a:t>The implementation stage is almost complete, with testing and evaluation to begin soon</a:t>
-            </a:r>
+              <a:t>Designed with a focus on modularity, extensibility, with an MVC architecture in mind.</a:t>
+            </a:r>
+            <a:endParaRPr lang="en-GB" dirty="0" smtClean="0"/>
+          </a:p>
+          <a:p>
+            <a:pPr lvl="1"/>
+            <a:r>
+              <a:rPr lang="en-GB" dirty="0"/>
+              <a:t>I</a:t>
+            </a:r>
+            <a:r>
+              <a:rPr lang="en-GB" dirty="0" smtClean="0"/>
+              <a:t>mplementation </a:t>
+            </a:r>
+            <a:r>
+              <a:rPr lang="en-GB" dirty="0" smtClean="0"/>
+              <a:t>stage is almost complete, with testing and evaluation to begin </a:t>
+            </a:r>
+            <a:r>
+              <a:rPr lang="en-GB" dirty="0" smtClean="0"/>
+              <a:t>soon.</a:t>
+            </a:r>
+          </a:p>
+          <a:p>
+            <a:pPr lvl="1"/>
+            <a:r>
+              <a:rPr lang="en-GB" dirty="0" smtClean="0"/>
+              <a:t>Potential to be developed into a full Swarm Robotics research platform in the future.</a:t>
+            </a:r>
+            <a:endParaRPr lang="en-GB" dirty="0" smtClean="0"/>
           </a:p>
         </p:txBody>
       </p:sp>
@@ -6968,11 +7044,7 @@
           <a:p>
             <a:r>
               <a:rPr lang="en-GB" dirty="0" smtClean="0"/>
-              <a:t>Augment the video feed with graphical representations of the retrieved </a:t>
-            </a:r>
-            <a:r>
-              <a:rPr lang="en-GB" dirty="0" smtClean="0"/>
-              <a:t>data</a:t>
+              <a:t>Augment the video feed with graphical representations of the retrieved data</a:t>
             </a:r>
           </a:p>
           <a:p>
@@ -7189,11 +7261,7 @@
             </a:r>
             <a:r>
               <a:rPr lang="en-GB" smtClean="0"/>
-              <a:t>, </a:t>
-            </a:r>
-            <a:r>
-              <a:rPr lang="en-GB" smtClean="0"/>
-              <a:t>on </a:t>
+              <a:t>, on </a:t>
             </a:r>
             <a:r>
               <a:rPr lang="en-GB" dirty="0" err="1" smtClean="0"/>
@@ -7201,11 +7269,7 @@
             </a:r>
             <a:r>
               <a:rPr lang="en-GB" dirty="0" smtClean="0"/>
-              <a:t> </a:t>
-            </a:r>
-            <a:r>
-              <a:rPr lang="en-GB" dirty="0" smtClean="0"/>
-              <a:t>East</a:t>
+              <a:t> East</a:t>
             </a:r>
           </a:p>
           <a:p>
@@ -7937,14 +8001,32 @@
           <a:p>
             <a:r>
               <a:rPr lang="en-GB" dirty="0" smtClean="0"/>
-              <a:t>View displays the data through the UI and augments the video image</a:t>
-            </a:r>
-          </a:p>
-          <a:p>
-            <a:r>
-              <a:rPr lang="en-GB" dirty="0" smtClean="0"/>
-              <a:t>Controller handles receiving data, updating the model and reading the camera</a:t>
-            </a:r>
+              <a:t>View displays the data through the UI and </a:t>
+            </a:r>
+            <a:r>
+              <a:rPr lang="en-GB" dirty="0" smtClean="0"/>
+              <a:t>augmented video</a:t>
+            </a:r>
+            <a:endParaRPr lang="en-GB" dirty="0" smtClean="0"/>
+          </a:p>
+          <a:p>
+            <a:r>
+              <a:rPr lang="en-GB" dirty="0" smtClean="0"/>
+              <a:t>Controller handles receiving data, updating the </a:t>
+            </a:r>
+            <a:r>
+              <a:rPr lang="en-GB" dirty="0" smtClean="0"/>
+              <a:t>model, reading </a:t>
+            </a:r>
+            <a:r>
+              <a:rPr lang="en-GB" dirty="0" smtClean="0"/>
+              <a:t>the </a:t>
+            </a:r>
+            <a:r>
+              <a:rPr lang="en-GB" dirty="0" smtClean="0"/>
+              <a:t>camera</a:t>
+            </a:r>
+            <a:endParaRPr lang="en-GB" dirty="0" smtClean="0"/>
           </a:p>
           <a:p>
             <a:r>

--- a/Presentation/Project Presentation.pptx
+++ b/Presentation/Project Presentation.pptx
@@ -4282,11 +4282,7 @@
           <a:p>
             <a:r>
               <a:rPr lang="en-GB" dirty="0" smtClean="0"/>
-              <a:t>Image processing managed </a:t>
-            </a:r>
-            <a:r>
-              <a:rPr lang="en-GB" dirty="0" smtClean="0"/>
-              <a:t>using </a:t>
+              <a:t>Image processing managed using </a:t>
             </a:r>
             <a:r>
               <a:rPr lang="en-GB" dirty="0" err="1" smtClean="0"/>
@@ -4414,6 +4410,13 @@
   <p:clrMapOvr>
     <a:masterClrMapping/>
   </p:clrMapOvr>
+  <p:timing>
+    <p:tnLst>
+      <p:par>
+        <p:cTn id="1" dur="indefinite" restart="never" nodeType="tmRoot"/>
+      </p:par>
+    </p:tnLst>
+  </p:timing>
 </p:sld>
 </file>
 
@@ -4513,23 +4516,14 @@
           <a:p>
             <a:r>
               <a:rPr lang="en-GB" dirty="0" smtClean="0"/>
-              <a:t>Robot </a:t>
-            </a:r>
-            <a:r>
-              <a:rPr lang="en-GB" dirty="0" smtClean="0"/>
-              <a:t>tracking and video feed augmentation are working</a:t>
-            </a:r>
-          </a:p>
-          <a:p>
-            <a:r>
-              <a:rPr lang="en-GB" dirty="0" smtClean="0"/>
-              <a:t>[SCREENSHOTS OF ROBOT TRACKING</a:t>
-            </a:r>
-            <a:r>
-              <a:rPr lang="en-GB" dirty="0" smtClean="0"/>
-              <a:t>]</a:t>
-            </a:r>
-            <a:endParaRPr lang="en-GB" dirty="0" smtClean="0"/>
+              <a:t>Robot tracking and video feed augmentation are working</a:t>
+            </a:r>
+          </a:p>
+          <a:p>
+            <a:r>
+              <a:rPr lang="en-GB" dirty="0" smtClean="0"/>
+              <a:t>[SCREENSHOTS OF ROBOT TRACKING]</a:t>
+            </a:r>
           </a:p>
         </p:txBody>
       </p:sp>
@@ -4736,11 +4730,7 @@
             </a:r>
             <a:r>
               <a:rPr lang="en-GB" dirty="0" smtClean="0"/>
-              <a:t>implemented in both dat</a:t>
-            </a:r>
-            <a:r>
-              <a:rPr lang="en-GB" dirty="0" smtClean="0"/>
-              <a:t>a model and UI</a:t>
+              <a:t>implemented in both data model and UI</a:t>
             </a:r>
           </a:p>
           <a:p>
@@ -4962,11 +4952,7 @@
           <a:p>
             <a:r>
               <a:rPr lang="en-GB" dirty="0" smtClean="0"/>
-              <a:t>Networking </a:t>
-            </a:r>
-            <a:r>
-              <a:rPr lang="en-GB" dirty="0" smtClean="0"/>
-              <a:t>code</a:t>
+              <a:t>Networking code</a:t>
             </a:r>
           </a:p>
           <a:p>
@@ -5879,15 +5865,7 @@
             <a:pPr lvl="1"/>
             <a:r>
               <a:rPr lang="en-GB" dirty="0" smtClean="0"/>
-              <a:t>Developed </a:t>
-            </a:r>
-            <a:r>
-              <a:rPr lang="en-GB" dirty="0" smtClean="0"/>
-              <a:t>in order to tackle issues with debugging swarm robotics systems in real </a:t>
-            </a:r>
-            <a:r>
-              <a:rPr lang="en-GB" dirty="0" smtClean="0"/>
-              <a:t>time.</a:t>
+              <a:t>Developed in order to tackle issues with debugging swarm robotics systems in real time.</a:t>
             </a:r>
           </a:p>
           <a:p>
@@ -5896,7 +5874,6 @@
               <a:rPr lang="en-GB" dirty="0" smtClean="0"/>
               <a:t>Designed with a focus on modularity, extensibility, with an MVC architecture in mind.</a:t>
             </a:r>
-            <a:endParaRPr lang="en-GB" dirty="0" smtClean="0"/>
           </a:p>
           <a:p>
             <a:pPr lvl="1"/>
@@ -5906,15 +5883,7 @@
             </a:r>
             <a:r>
               <a:rPr lang="en-GB" dirty="0" smtClean="0"/>
-              <a:t>mplementation </a:t>
-            </a:r>
-            <a:r>
-              <a:rPr lang="en-GB" dirty="0" smtClean="0"/>
-              <a:t>stage is almost complete, with testing and evaluation to begin </a:t>
-            </a:r>
-            <a:r>
-              <a:rPr lang="en-GB" dirty="0" smtClean="0"/>
-              <a:t>soon.</a:t>
+              <a:t>mplementation stage is almost complete, with testing and evaluation to begin soon.</a:t>
             </a:r>
           </a:p>
           <a:p>
@@ -5923,7 +5892,6 @@
               <a:rPr lang="en-GB" dirty="0" smtClean="0"/>
               <a:t>Potential to be developed into a full Swarm Robotics research platform in the future.</a:t>
             </a:r>
-            <a:endParaRPr lang="en-GB" dirty="0" smtClean="0"/>
           </a:p>
         </p:txBody>
       </p:sp>
@@ -7727,26 +7695,23 @@
             <p:ph idx="1"/>
           </p:nvPr>
         </p:nvSpPr>
-        <p:spPr/>
+        <p:spPr>
+          <a:xfrm>
+            <a:off x="581193" y="2180496"/>
+            <a:ext cx="5249592" cy="3678303"/>
+          </a:xfrm>
+        </p:spPr>
         <p:txBody>
           <a:bodyPr anchor="t"/>
           <a:lstStyle/>
           <a:p>
             <a:r>
               <a:rPr lang="en-GB" dirty="0" smtClean="0"/>
-              <a:t>General system architecture</a:t>
-            </a:r>
-          </a:p>
-          <a:p>
-            <a:r>
-              <a:rPr lang="en-GB" dirty="0" smtClean="0"/>
-              <a:t>[GENERAL SYSTEM ARCHITECTURE DIAGRAM]</a:t>
-            </a:r>
-          </a:p>
-          <a:p>
-            <a:r>
-              <a:rPr lang="en-GB" dirty="0" smtClean="0"/>
-              <a:t>Robots communicate data over </a:t>
+              <a:t>Robots </a:t>
+            </a:r>
+            <a:r>
+              <a:rPr lang="en-GB" dirty="0" smtClean="0"/>
+              <a:t>communicate data over </a:t>
             </a:r>
             <a:r>
               <a:rPr lang="en-GB" dirty="0" err="1" smtClean="0"/>
@@ -7870,6 +7835,36 @@
           </a:p>
         </p:txBody>
       </p:sp>
+      <p:pic>
+        <p:nvPicPr>
+          <p:cNvPr id="5" name="Picture 4"/>
+          <p:cNvPicPr>
+            <a:picLocks noChangeAspect="1"/>
+          </p:cNvPicPr>
+          <p:nvPr/>
+        </p:nvPicPr>
+        <p:blipFill>
+          <a:blip r:embed="rId2" cstate="print">
+            <a:extLst>
+              <a:ext uri="{28A0092B-C50C-407E-A947-70E740481C1C}">
+                <a14:useLocalDpi xmlns:a14="http://schemas.microsoft.com/office/drawing/2010/main" val="0"/>
+              </a:ext>
+            </a:extLst>
+          </a:blip>
+          <a:stretch>
+            <a:fillRect/>
+          </a:stretch>
+        </p:blipFill>
+        <p:spPr>
+          <a:xfrm>
+            <a:off x="5830786" y="2180496"/>
+            <a:ext cx="5890160" cy="2981127"/>
+          </a:xfrm>
+          <a:prstGeom prst="rect">
+            <a:avLst/>
+          </a:prstGeom>
+        </p:spPr>
+      </p:pic>
     </p:spTree>
     <p:extLst>
       <p:ext uri="{BB962C8B-B14F-4D97-AF65-F5344CB8AC3E}">
@@ -7956,7 +7951,12 @@
             <p:ph idx="1"/>
           </p:nvPr>
         </p:nvSpPr>
-        <p:spPr/>
+        <p:spPr>
+          <a:xfrm>
+            <a:off x="581193" y="2180496"/>
+            <a:ext cx="5475224" cy="3678303"/>
+          </a:xfrm>
+        </p:spPr>
         <p:txBody>
           <a:bodyPr anchor="t"/>
           <a:lstStyle/>
@@ -7989,44 +7989,24 @@
           <a:p>
             <a:r>
               <a:rPr lang="en-GB" dirty="0" smtClean="0"/>
-              <a:t>[SOFTWARE ARCHITECTURE DIAGRAM]</a:t>
-            </a:r>
-          </a:p>
-          <a:p>
-            <a:r>
-              <a:rPr lang="en-GB" dirty="0" smtClean="0"/>
-              <a:t>Model stores data about the robot</a:t>
-            </a:r>
-          </a:p>
-          <a:p>
-            <a:r>
-              <a:rPr lang="en-GB" dirty="0" smtClean="0"/>
-              <a:t>View displays the data through the UI and </a:t>
-            </a:r>
-            <a:r>
-              <a:rPr lang="en-GB" dirty="0" smtClean="0"/>
-              <a:t>augmented video</a:t>
-            </a:r>
-            <a:endParaRPr lang="en-GB" dirty="0" smtClean="0"/>
-          </a:p>
-          <a:p>
-            <a:r>
-              <a:rPr lang="en-GB" dirty="0" smtClean="0"/>
-              <a:t>Controller handles receiving data, updating the </a:t>
-            </a:r>
-            <a:r>
-              <a:rPr lang="en-GB" dirty="0" smtClean="0"/>
-              <a:t>model, reading </a:t>
-            </a:r>
-            <a:r>
-              <a:rPr lang="en-GB" dirty="0" smtClean="0"/>
-              <a:t>the </a:t>
-            </a:r>
-            <a:r>
-              <a:rPr lang="en-GB" dirty="0" smtClean="0"/>
-              <a:t>camera</a:t>
-            </a:r>
-            <a:endParaRPr lang="en-GB" dirty="0" smtClean="0"/>
+              <a:t>Model </a:t>
+            </a:r>
+            <a:r>
+              <a:rPr lang="en-GB" dirty="0" smtClean="0"/>
+              <a:t>stores data about the robot</a:t>
+            </a:r>
+          </a:p>
+          <a:p>
+            <a:r>
+              <a:rPr lang="en-GB" dirty="0" smtClean="0"/>
+              <a:t>View displays the data through the UI and augmented video</a:t>
+            </a:r>
+          </a:p>
+          <a:p>
+            <a:r>
+              <a:rPr lang="en-GB" dirty="0" smtClean="0"/>
+              <a:t>Controller handles receiving data, updating the model, reading the camera</a:t>
+            </a:r>
           </a:p>
           <a:p>
             <a:r>
@@ -8144,6 +8124,36 @@
           </a:p>
         </p:txBody>
       </p:sp>
+      <p:pic>
+        <p:nvPicPr>
+          <p:cNvPr id="5" name="Picture 4"/>
+          <p:cNvPicPr>
+            <a:picLocks noChangeAspect="1"/>
+          </p:cNvPicPr>
+          <p:nvPr/>
+        </p:nvPicPr>
+        <p:blipFill>
+          <a:blip r:embed="rId2" cstate="print">
+            <a:extLst>
+              <a:ext uri="{28A0092B-C50C-407E-A947-70E740481C1C}">
+                <a14:useLocalDpi xmlns:a14="http://schemas.microsoft.com/office/drawing/2010/main" val="0"/>
+              </a:ext>
+            </a:extLst>
+          </a:blip>
+          <a:stretch>
+            <a:fillRect/>
+          </a:stretch>
+        </p:blipFill>
+        <p:spPr>
+          <a:xfrm>
+            <a:off x="6056417" y="1868356"/>
+            <a:ext cx="5475007" cy="3759708"/>
+          </a:xfrm>
+          <a:prstGeom prst="rect">
+            <a:avLst/>
+          </a:prstGeom>
+        </p:spPr>
+      </p:pic>
     </p:spTree>
     <p:extLst>
       <p:ext uri="{BB962C8B-B14F-4D97-AF65-F5344CB8AC3E}">
@@ -8154,6 +8164,13 @@
   <p:clrMapOvr>
     <a:masterClrMapping/>
   </p:clrMapOvr>
+  <p:timing>
+    <p:tnLst>
+      <p:par>
+        <p:cTn id="1" dur="indefinite" restart="never" nodeType="tmRoot"/>
+      </p:par>
+    </p:tnLst>
+  </p:timing>
 </p:sld>
 </file>
 

--- a/Presentation/Project Presentation.pptx
+++ b/Presentation/Project Presentation.pptx
@@ -4,6 +4,9 @@
   <p:sldMasterIdLst>
     <p:sldMasterId id="2147483672" r:id="rId1"/>
   </p:sldMasterIdLst>
+  <p:notesMasterIdLst>
+    <p:notesMasterId r:id="rId20"/>
+  </p:notesMasterIdLst>
   <p:sldIdLst>
     <p:sldId id="256" r:id="rId2"/>
     <p:sldId id="257" r:id="rId3"/>
@@ -129,6 +132,440 @@
 </p:presentation>
 </file>
 
+<file path=ppt/notesMasters/notesMaster1.xml><?xml version="1.0" encoding="utf-8"?>
+<p:notesMaster xmlns:a="http://schemas.openxmlformats.org/drawingml/2006/main" xmlns:r="http://schemas.openxmlformats.org/officeDocument/2006/relationships" xmlns:p="http://schemas.openxmlformats.org/presentationml/2006/main">
+  <p:cSld>
+    <p:bg>
+      <p:bgRef idx="1001">
+        <a:schemeClr val="bg1"/>
+      </p:bgRef>
+    </p:bg>
+    <p:spTree>
+      <p:nvGrpSpPr>
+        <p:cNvPr id="1" name=""/>
+        <p:cNvGrpSpPr/>
+        <p:nvPr/>
+      </p:nvGrpSpPr>
+      <p:grpSpPr>
+        <a:xfrm>
+          <a:off x="0" y="0"/>
+          <a:ext cx="0" cy="0"/>
+          <a:chOff x="0" y="0"/>
+          <a:chExt cx="0" cy="0"/>
+        </a:xfrm>
+      </p:grpSpPr>
+      <p:sp>
+        <p:nvSpPr>
+          <p:cNvPr id="2" name="Header Placeholder 1"/>
+          <p:cNvSpPr>
+            <a:spLocks noGrp="1"/>
+          </p:cNvSpPr>
+          <p:nvPr>
+            <p:ph type="hdr" sz="quarter"/>
+          </p:nvPr>
+        </p:nvSpPr>
+        <p:spPr>
+          <a:xfrm>
+            <a:off x="0" y="0"/>
+            <a:ext cx="2971800" cy="458788"/>
+          </a:xfrm>
+          <a:prstGeom prst="rect">
+            <a:avLst/>
+          </a:prstGeom>
+        </p:spPr>
+        <p:txBody>
+          <a:bodyPr vert="horz" lIns="91440" tIns="45720" rIns="91440" bIns="45720" rtlCol="0"/>
+          <a:lstStyle>
+            <a:lvl1pPr algn="l">
+              <a:defRPr sz="1200"/>
+            </a:lvl1pPr>
+          </a:lstStyle>
+          <a:p>
+            <a:endParaRPr lang="en-GB"/>
+          </a:p>
+        </p:txBody>
+      </p:sp>
+      <p:sp>
+        <p:nvSpPr>
+          <p:cNvPr id="3" name="Date Placeholder 2"/>
+          <p:cNvSpPr>
+            <a:spLocks noGrp="1"/>
+          </p:cNvSpPr>
+          <p:nvPr>
+            <p:ph type="dt" idx="1"/>
+          </p:nvPr>
+        </p:nvSpPr>
+        <p:spPr>
+          <a:xfrm>
+            <a:off x="3884613" y="0"/>
+            <a:ext cx="2971800" cy="458788"/>
+          </a:xfrm>
+          <a:prstGeom prst="rect">
+            <a:avLst/>
+          </a:prstGeom>
+        </p:spPr>
+        <p:txBody>
+          <a:bodyPr vert="horz" lIns="91440" tIns="45720" rIns="91440" bIns="45720" rtlCol="0"/>
+          <a:lstStyle>
+            <a:lvl1pPr algn="r">
+              <a:defRPr sz="1200"/>
+            </a:lvl1pPr>
+          </a:lstStyle>
+          <a:p>
+            <a:fld id="{46332F45-88F4-4695-A6B5-FA80BEAA5895}" type="datetimeFigureOut">
+              <a:rPr lang="en-GB" smtClean="0"/>
+              <a:t>10/04/2017</a:t>
+            </a:fld>
+            <a:endParaRPr lang="en-GB"/>
+          </a:p>
+        </p:txBody>
+      </p:sp>
+      <p:sp>
+        <p:nvSpPr>
+          <p:cNvPr id="4" name="Slide Image Placeholder 3"/>
+          <p:cNvSpPr>
+            <a:spLocks noGrp="1" noRot="1" noChangeAspect="1"/>
+          </p:cNvSpPr>
+          <p:nvPr>
+            <p:ph type="sldImg" idx="2"/>
+          </p:nvPr>
+        </p:nvSpPr>
+        <p:spPr>
+          <a:xfrm>
+            <a:off x="685800" y="1143000"/>
+            <a:ext cx="5486400" cy="3086100"/>
+          </a:xfrm>
+          <a:prstGeom prst="rect">
+            <a:avLst/>
+          </a:prstGeom>
+          <a:noFill/>
+          <a:ln w="12700">
+            <a:solidFill>
+              <a:prstClr val="black"/>
+            </a:solidFill>
+          </a:ln>
+        </p:spPr>
+        <p:txBody>
+          <a:bodyPr vert="horz" lIns="91440" tIns="45720" rIns="91440" bIns="45720" rtlCol="0" anchor="ctr"/>
+          <a:lstStyle/>
+          <a:p>
+            <a:endParaRPr lang="en-GB"/>
+          </a:p>
+        </p:txBody>
+      </p:sp>
+      <p:sp>
+        <p:nvSpPr>
+          <p:cNvPr id="5" name="Notes Placeholder 4"/>
+          <p:cNvSpPr>
+            <a:spLocks noGrp="1"/>
+          </p:cNvSpPr>
+          <p:nvPr>
+            <p:ph type="body" sz="quarter" idx="3"/>
+          </p:nvPr>
+        </p:nvSpPr>
+        <p:spPr>
+          <a:xfrm>
+            <a:off x="685800" y="4400550"/>
+            <a:ext cx="5486400" cy="3600450"/>
+          </a:xfrm>
+          <a:prstGeom prst="rect">
+            <a:avLst/>
+          </a:prstGeom>
+        </p:spPr>
+        <p:txBody>
+          <a:bodyPr vert="horz" lIns="91440" tIns="45720" rIns="91440" bIns="45720" rtlCol="0"/>
+          <a:lstStyle/>
+          <a:p>
+            <a:pPr lvl="0"/>
+            <a:r>
+              <a:rPr lang="en-US" smtClean="0"/>
+              <a:t>Edit Master text styles</a:t>
+            </a:r>
+          </a:p>
+          <a:p>
+            <a:pPr lvl="1"/>
+            <a:r>
+              <a:rPr lang="en-US" smtClean="0"/>
+              <a:t>Second level</a:t>
+            </a:r>
+          </a:p>
+          <a:p>
+            <a:pPr lvl="2"/>
+            <a:r>
+              <a:rPr lang="en-US" smtClean="0"/>
+              <a:t>Third level</a:t>
+            </a:r>
+          </a:p>
+          <a:p>
+            <a:pPr lvl="3"/>
+            <a:r>
+              <a:rPr lang="en-US" smtClean="0"/>
+              <a:t>Fourth level</a:t>
+            </a:r>
+          </a:p>
+          <a:p>
+            <a:pPr lvl="4"/>
+            <a:r>
+              <a:rPr lang="en-US" smtClean="0"/>
+              <a:t>Fifth level</a:t>
+            </a:r>
+            <a:endParaRPr lang="en-GB"/>
+          </a:p>
+        </p:txBody>
+      </p:sp>
+      <p:sp>
+        <p:nvSpPr>
+          <p:cNvPr id="6" name="Footer Placeholder 5"/>
+          <p:cNvSpPr>
+            <a:spLocks noGrp="1"/>
+          </p:cNvSpPr>
+          <p:nvPr>
+            <p:ph type="ftr" sz="quarter" idx="4"/>
+          </p:nvPr>
+        </p:nvSpPr>
+        <p:spPr>
+          <a:xfrm>
+            <a:off x="0" y="8685213"/>
+            <a:ext cx="2971800" cy="458787"/>
+          </a:xfrm>
+          <a:prstGeom prst="rect">
+            <a:avLst/>
+          </a:prstGeom>
+        </p:spPr>
+        <p:txBody>
+          <a:bodyPr vert="horz" lIns="91440" tIns="45720" rIns="91440" bIns="45720" rtlCol="0" anchor="b"/>
+          <a:lstStyle>
+            <a:lvl1pPr algn="l">
+              <a:defRPr sz="1200"/>
+            </a:lvl1pPr>
+          </a:lstStyle>
+          <a:p>
+            <a:endParaRPr lang="en-GB"/>
+          </a:p>
+        </p:txBody>
+      </p:sp>
+      <p:sp>
+        <p:nvSpPr>
+          <p:cNvPr id="7" name="Slide Number Placeholder 6"/>
+          <p:cNvSpPr>
+            <a:spLocks noGrp="1"/>
+          </p:cNvSpPr>
+          <p:nvPr>
+            <p:ph type="sldNum" sz="quarter" idx="5"/>
+          </p:nvPr>
+        </p:nvSpPr>
+        <p:spPr>
+          <a:xfrm>
+            <a:off x="3884613" y="8685213"/>
+            <a:ext cx="2971800" cy="458787"/>
+          </a:xfrm>
+          <a:prstGeom prst="rect">
+            <a:avLst/>
+          </a:prstGeom>
+        </p:spPr>
+        <p:txBody>
+          <a:bodyPr vert="horz" lIns="91440" tIns="45720" rIns="91440" bIns="45720" rtlCol="0" anchor="b"/>
+          <a:lstStyle>
+            <a:lvl1pPr algn="r">
+              <a:defRPr sz="1200"/>
+            </a:lvl1pPr>
+          </a:lstStyle>
+          <a:p>
+            <a:fld id="{5774362F-1D10-43AB-93F4-7D296B78B1F2}" type="slidenum">
+              <a:rPr lang="en-GB" smtClean="0"/>
+              <a:t>‹#›</a:t>
+            </a:fld>
+            <a:endParaRPr lang="en-GB"/>
+          </a:p>
+        </p:txBody>
+      </p:sp>
+    </p:spTree>
+    <p:extLst>
+      <p:ext uri="{BB962C8B-B14F-4D97-AF65-F5344CB8AC3E}">
+        <p14:creationId xmlns:p14="http://schemas.microsoft.com/office/powerpoint/2010/main" val="2643603631"/>
+      </p:ext>
+    </p:extLst>
+  </p:cSld>
+  <p:clrMap bg1="lt1" tx1="dk1" bg2="lt2" tx2="dk2" accent1="accent1" accent2="accent2" accent3="accent3" accent4="accent4" accent5="accent5" accent6="accent6" hlink="hlink" folHlink="folHlink"/>
+  <p:notesStyle>
+    <a:lvl1pPr marL="0" algn="l" defTabSz="914400" rtl="0" eaLnBrk="1" latinLnBrk="0" hangingPunct="1">
+      <a:defRPr sz="1200" kern="1200">
+        <a:solidFill>
+          <a:schemeClr val="tx1"/>
+        </a:solidFill>
+        <a:latin typeface="+mn-lt"/>
+        <a:ea typeface="+mn-ea"/>
+        <a:cs typeface="+mn-cs"/>
+      </a:defRPr>
+    </a:lvl1pPr>
+    <a:lvl2pPr marL="457200" algn="l" defTabSz="914400" rtl="0" eaLnBrk="1" latinLnBrk="0" hangingPunct="1">
+      <a:defRPr sz="1200" kern="1200">
+        <a:solidFill>
+          <a:schemeClr val="tx1"/>
+        </a:solidFill>
+        <a:latin typeface="+mn-lt"/>
+        <a:ea typeface="+mn-ea"/>
+        <a:cs typeface="+mn-cs"/>
+      </a:defRPr>
+    </a:lvl2pPr>
+    <a:lvl3pPr marL="914400" algn="l" defTabSz="914400" rtl="0" eaLnBrk="1" latinLnBrk="0" hangingPunct="1">
+      <a:defRPr sz="1200" kern="1200">
+        <a:solidFill>
+          <a:schemeClr val="tx1"/>
+        </a:solidFill>
+        <a:latin typeface="+mn-lt"/>
+        <a:ea typeface="+mn-ea"/>
+        <a:cs typeface="+mn-cs"/>
+      </a:defRPr>
+    </a:lvl3pPr>
+    <a:lvl4pPr marL="1371600" algn="l" defTabSz="914400" rtl="0" eaLnBrk="1" latinLnBrk="0" hangingPunct="1">
+      <a:defRPr sz="1200" kern="1200">
+        <a:solidFill>
+          <a:schemeClr val="tx1"/>
+        </a:solidFill>
+        <a:latin typeface="+mn-lt"/>
+        <a:ea typeface="+mn-ea"/>
+        <a:cs typeface="+mn-cs"/>
+      </a:defRPr>
+    </a:lvl4pPr>
+    <a:lvl5pPr marL="1828800" algn="l" defTabSz="914400" rtl="0" eaLnBrk="1" latinLnBrk="0" hangingPunct="1">
+      <a:defRPr sz="1200" kern="1200">
+        <a:solidFill>
+          <a:schemeClr val="tx1"/>
+        </a:solidFill>
+        <a:latin typeface="+mn-lt"/>
+        <a:ea typeface="+mn-ea"/>
+        <a:cs typeface="+mn-cs"/>
+      </a:defRPr>
+    </a:lvl5pPr>
+    <a:lvl6pPr marL="2286000" algn="l" defTabSz="914400" rtl="0" eaLnBrk="1" latinLnBrk="0" hangingPunct="1">
+      <a:defRPr sz="1200" kern="1200">
+        <a:solidFill>
+          <a:schemeClr val="tx1"/>
+        </a:solidFill>
+        <a:latin typeface="+mn-lt"/>
+        <a:ea typeface="+mn-ea"/>
+        <a:cs typeface="+mn-cs"/>
+      </a:defRPr>
+    </a:lvl6pPr>
+    <a:lvl7pPr marL="2743200" algn="l" defTabSz="914400" rtl="0" eaLnBrk="1" latinLnBrk="0" hangingPunct="1">
+      <a:defRPr sz="1200" kern="1200">
+        <a:solidFill>
+          <a:schemeClr val="tx1"/>
+        </a:solidFill>
+        <a:latin typeface="+mn-lt"/>
+        <a:ea typeface="+mn-ea"/>
+        <a:cs typeface="+mn-cs"/>
+      </a:defRPr>
+    </a:lvl7pPr>
+    <a:lvl8pPr marL="3200400" algn="l" defTabSz="914400" rtl="0" eaLnBrk="1" latinLnBrk="0" hangingPunct="1">
+      <a:defRPr sz="1200" kern="1200">
+        <a:solidFill>
+          <a:schemeClr val="tx1"/>
+        </a:solidFill>
+        <a:latin typeface="+mn-lt"/>
+        <a:ea typeface="+mn-ea"/>
+        <a:cs typeface="+mn-cs"/>
+      </a:defRPr>
+    </a:lvl8pPr>
+    <a:lvl9pPr marL="3657600" algn="l" defTabSz="914400" rtl="0" eaLnBrk="1" latinLnBrk="0" hangingPunct="1">
+      <a:defRPr sz="1200" kern="1200">
+        <a:solidFill>
+          <a:schemeClr val="tx1"/>
+        </a:solidFill>
+        <a:latin typeface="+mn-lt"/>
+        <a:ea typeface="+mn-ea"/>
+        <a:cs typeface="+mn-cs"/>
+      </a:defRPr>
+    </a:lvl9pPr>
+  </p:notesStyle>
+</p:notesMaster>
+</file>
+
+<file path=ppt/notesSlides/notesSlide1.xml><?xml version="1.0" encoding="utf-8"?>
+<p:notes xmlns:a="http://schemas.openxmlformats.org/drawingml/2006/main" xmlns:r="http://schemas.openxmlformats.org/officeDocument/2006/relationships" xmlns:p="http://schemas.openxmlformats.org/presentationml/2006/main">
+  <p:cSld>
+    <p:spTree>
+      <p:nvGrpSpPr>
+        <p:cNvPr id="1" name=""/>
+        <p:cNvGrpSpPr/>
+        <p:nvPr/>
+      </p:nvGrpSpPr>
+      <p:grpSpPr>
+        <a:xfrm>
+          <a:off x="0" y="0"/>
+          <a:ext cx="0" cy="0"/>
+          <a:chOff x="0" y="0"/>
+          <a:chExt cx="0" cy="0"/>
+        </a:xfrm>
+      </p:grpSpPr>
+      <p:sp>
+        <p:nvSpPr>
+          <p:cNvPr id="2" name="Slide Image Placeholder 1"/>
+          <p:cNvSpPr>
+            <a:spLocks noGrp="1" noRot="1" noChangeAspect="1"/>
+          </p:cNvSpPr>
+          <p:nvPr>
+            <p:ph type="sldImg"/>
+          </p:nvPr>
+        </p:nvSpPr>
+        <p:spPr/>
+      </p:sp>
+      <p:sp>
+        <p:nvSpPr>
+          <p:cNvPr id="3" name="Notes Placeholder 2"/>
+          <p:cNvSpPr>
+            <a:spLocks noGrp="1"/>
+          </p:cNvSpPr>
+          <p:nvPr>
+            <p:ph type="body" idx="1"/>
+          </p:nvPr>
+        </p:nvSpPr>
+        <p:spPr/>
+        <p:txBody>
+          <a:bodyPr/>
+          <a:lstStyle/>
+          <a:p>
+            <a:endParaRPr lang="en-GB" dirty="0"/>
+          </a:p>
+        </p:txBody>
+      </p:sp>
+      <p:sp>
+        <p:nvSpPr>
+          <p:cNvPr id="4" name="Slide Number Placeholder 3"/>
+          <p:cNvSpPr>
+            <a:spLocks noGrp="1"/>
+          </p:cNvSpPr>
+          <p:nvPr>
+            <p:ph type="sldNum" sz="quarter" idx="10"/>
+          </p:nvPr>
+        </p:nvSpPr>
+        <p:spPr/>
+        <p:txBody>
+          <a:bodyPr/>
+          <a:lstStyle/>
+          <a:p>
+            <a:fld id="{5774362F-1D10-43AB-93F4-7D296B78B1F2}" type="slidenum">
+              <a:rPr lang="en-GB" smtClean="0"/>
+              <a:t>8</a:t>
+            </a:fld>
+            <a:endParaRPr lang="en-GB"/>
+          </a:p>
+        </p:txBody>
+      </p:sp>
+    </p:spTree>
+    <p:extLst>
+      <p:ext uri="{BB962C8B-B14F-4D97-AF65-F5344CB8AC3E}">
+        <p14:creationId xmlns:p14="http://schemas.microsoft.com/office/powerpoint/2010/main" val="1158801237"/>
+      </p:ext>
+    </p:extLst>
+  </p:cSld>
+  <p:clrMapOvr>
+    <a:masterClrMapping/>
+  </p:clrMapOvr>
+</p:notes>
+</file>
+
 <file path=ppt/slideLayouts/slideLayout1.xml><?xml version="1.0" encoding="utf-8"?>
 <p:sldLayout xmlns:a="http://schemas.openxmlformats.org/drawingml/2006/main" xmlns:r="http://schemas.openxmlformats.org/officeDocument/2006/relationships" xmlns:p="http://schemas.openxmlformats.org/presentationml/2006/main" type="title" preserve="1">
   <p:cSld name="Title Slide">
@@ -374,7 +811,7 @@
           <a:p>
             <a:fld id="{12A3897E-C154-4A50-AC83-AB3B5078EDF1}" type="datetimeFigureOut">
               <a:rPr lang="en-GB" smtClean="0"/>
-              <a:t>09/04/2017</a:t>
+              <a:t>10/04/2017</a:t>
             </a:fld>
             <a:endParaRPr lang="en-GB"/>
           </a:p>
@@ -636,7 +1073,7 @@
           <a:p>
             <a:fld id="{12A3897E-C154-4A50-AC83-AB3B5078EDF1}" type="datetimeFigureOut">
               <a:rPr lang="en-GB" smtClean="0"/>
-              <a:t>09/04/2017</a:t>
+              <a:t>10/04/2017</a:t>
             </a:fld>
             <a:endParaRPr lang="en-GB"/>
           </a:p>
@@ -871,7 +1308,7 @@
           <a:p>
             <a:fld id="{12A3897E-C154-4A50-AC83-AB3B5078EDF1}" type="datetimeFigureOut">
               <a:rPr lang="en-GB" smtClean="0"/>
-              <a:t>09/04/2017</a:t>
+              <a:t>10/04/2017</a:t>
             </a:fld>
             <a:endParaRPr lang="en-GB"/>
           </a:p>
@@ -1111,7 +1548,7 @@
           <a:p>
             <a:fld id="{12A3897E-C154-4A50-AC83-AB3B5078EDF1}" type="datetimeFigureOut">
               <a:rPr lang="en-GB" smtClean="0"/>
-              <a:t>09/04/2017</a:t>
+              <a:t>10/04/2017</a:t>
             </a:fld>
             <a:endParaRPr lang="en-GB"/>
           </a:p>
@@ -1418,7 +1855,7 @@
           <a:p>
             <a:fld id="{12A3897E-C154-4A50-AC83-AB3B5078EDF1}" type="datetimeFigureOut">
               <a:rPr lang="en-GB" smtClean="0"/>
-              <a:t>09/04/2017</a:t>
+              <a:t>10/04/2017</a:t>
             </a:fld>
             <a:endParaRPr lang="en-GB"/>
           </a:p>
@@ -1720,7 +2157,7 @@
           <a:p>
             <a:fld id="{12A3897E-C154-4A50-AC83-AB3B5078EDF1}" type="datetimeFigureOut">
               <a:rPr lang="en-GB" smtClean="0"/>
-              <a:t>09/04/2017</a:t>
+              <a:t>10/04/2017</a:t>
             </a:fld>
             <a:endParaRPr lang="en-GB"/>
           </a:p>
@@ -2142,7 +2579,7 @@
           <a:p>
             <a:fld id="{12A3897E-C154-4A50-AC83-AB3B5078EDF1}" type="datetimeFigureOut">
               <a:rPr lang="en-GB" smtClean="0"/>
-              <a:t>09/04/2017</a:t>
+              <a:t>10/04/2017</a:t>
             </a:fld>
             <a:endParaRPr lang="en-GB"/>
           </a:p>
@@ -2237,7 +2674,7 @@
           <a:p>
             <a:fld id="{12A3897E-C154-4A50-AC83-AB3B5078EDF1}" type="datetimeFigureOut">
               <a:rPr lang="en-GB" smtClean="0"/>
-              <a:t>09/04/2017</a:t>
+              <a:t>10/04/2017</a:t>
             </a:fld>
             <a:endParaRPr lang="en-GB"/>
           </a:p>
@@ -2399,7 +2836,7 @@
           <a:p>
             <a:fld id="{12A3897E-C154-4A50-AC83-AB3B5078EDF1}" type="datetimeFigureOut">
               <a:rPr lang="en-GB" smtClean="0"/>
-              <a:t>09/04/2017</a:t>
+              <a:t>10/04/2017</a:t>
             </a:fld>
             <a:endParaRPr lang="en-GB"/>
           </a:p>
@@ -2777,7 +3214,7 @@
           <a:p>
             <a:fld id="{12A3897E-C154-4A50-AC83-AB3B5078EDF1}" type="datetimeFigureOut">
               <a:rPr lang="en-GB" smtClean="0"/>
-              <a:t>09/04/2017</a:t>
+              <a:t>10/04/2017</a:t>
             </a:fld>
             <a:endParaRPr lang="en-GB"/>
           </a:p>
@@ -3066,7 +3503,7 @@
           <a:p>
             <a:fld id="{12A3897E-C154-4A50-AC83-AB3B5078EDF1}" type="datetimeFigureOut">
               <a:rPr lang="en-GB" smtClean="0"/>
-              <a:t>09/04/2017</a:t>
+              <a:t>10/04/2017</a:t>
             </a:fld>
             <a:endParaRPr lang="en-GB"/>
           </a:p>
@@ -3277,7 +3714,7 @@
           <a:p>
             <a:fld id="{12A3897E-C154-4A50-AC83-AB3B5078EDF1}" type="datetimeFigureOut">
               <a:rPr lang="en-GB" smtClean="0"/>
-              <a:t>09/04/2017</a:t>
+              <a:t>10/04/2017</a:t>
             </a:fld>
             <a:endParaRPr lang="en-GB"/>
           </a:p>
@@ -4185,6 +4622,13 @@
   <p:clrMapOvr>
     <a:masterClrMapping/>
   </p:clrMapOvr>
+  <p:timing>
+    <p:tnLst>
+      <p:par>
+        <p:cTn id="1" dur="indefinite" restart="never" nodeType="tmRoot"/>
+      </p:par>
+    </p:tnLst>
+  </p:timing>
 </p:sld>
 </file>
 
@@ -4261,14 +4705,37 @@
             <p:ph idx="1"/>
           </p:nvPr>
         </p:nvSpPr>
-        <p:spPr/>
+        <p:spPr>
+          <a:xfrm>
+            <a:off x="581193" y="2180496"/>
+            <a:ext cx="5543204" cy="3678303"/>
+          </a:xfrm>
+        </p:spPr>
         <p:txBody>
           <a:bodyPr anchor="t"/>
           <a:lstStyle/>
           <a:p>
             <a:r>
               <a:rPr lang="en-GB" dirty="0" smtClean="0"/>
-              <a:t>UI created using the popular </a:t>
+              <a:t>3 main panels, </a:t>
+            </a:r>
+            <a:r>
+              <a:rPr lang="en-GB" dirty="0" err="1" smtClean="0"/>
+              <a:t>Visualiser</a:t>
+            </a:r>
+            <a:r>
+              <a:rPr lang="en-GB" dirty="0" smtClean="0"/>
+              <a:t>, Robot List and Detail</a:t>
+            </a:r>
+          </a:p>
+          <a:p>
+            <a:r>
+              <a:rPr lang="en-GB" dirty="0" smtClean="0"/>
+              <a:t>UI </a:t>
+            </a:r>
+            <a:r>
+              <a:rPr lang="en-GB" dirty="0" smtClean="0"/>
+              <a:t>created using the popular </a:t>
             </a:r>
             <a:r>
               <a:rPr lang="en-GB" dirty="0" err="1" smtClean="0"/>
@@ -4289,12 +4756,6 @@
               <a:t>OpenCV</a:t>
             </a:r>
             <a:endParaRPr lang="en-GB" dirty="0" smtClean="0"/>
-          </a:p>
-          <a:p>
-            <a:r>
-              <a:rPr lang="en-GB" dirty="0" smtClean="0"/>
-              <a:t>[ANNOTATED SCREENSHOT/LAYOUT DIAGRAM]</a:t>
-            </a:r>
           </a:p>
         </p:txBody>
       </p:sp>
@@ -4400,6 +4861,36 @@
           </a:p>
         </p:txBody>
       </p:sp>
+      <p:pic>
+        <p:nvPicPr>
+          <p:cNvPr id="5" name="Picture 4"/>
+          <p:cNvPicPr>
+            <a:picLocks noChangeAspect="1"/>
+          </p:cNvPicPr>
+          <p:nvPr/>
+        </p:nvPicPr>
+        <p:blipFill>
+          <a:blip r:embed="rId2" cstate="print">
+            <a:extLst>
+              <a:ext uri="{28A0092B-C50C-407E-A947-70E740481C1C}">
+                <a14:useLocalDpi xmlns:a14="http://schemas.microsoft.com/office/drawing/2010/main" val="0"/>
+              </a:ext>
+            </a:extLst>
+          </a:blip>
+          <a:stretch>
+            <a:fillRect/>
+          </a:stretch>
+        </p:blipFill>
+        <p:spPr>
+          <a:xfrm>
+            <a:off x="6124396" y="2180496"/>
+            <a:ext cx="5486411" cy="4114808"/>
+          </a:xfrm>
+          <a:prstGeom prst="rect">
+            <a:avLst/>
+          </a:prstGeom>
+        </p:spPr>
+      </p:pic>
     </p:spTree>
     <p:extLst>
       <p:ext uri="{BB962C8B-B14F-4D97-AF65-F5344CB8AC3E}">
@@ -6272,9 +6763,16 @@
             <p:ph idx="1"/>
           </p:nvPr>
         </p:nvSpPr>
-        <p:spPr/>
-        <p:txBody>
-          <a:bodyPr anchor="t"/>
+        <p:spPr>
+          <a:xfrm>
+            <a:off x="581192" y="2180496"/>
+            <a:ext cx="5509215" cy="3678303"/>
+          </a:xfrm>
+        </p:spPr>
+        <p:txBody>
+          <a:bodyPr anchor="t">
+            <a:normAutofit lnSpcReduction="10000"/>
+          </a:bodyPr>
           <a:lstStyle/>
           <a:p>
             <a:r>
@@ -6430,6 +6928,102 @@
           </a:p>
         </p:txBody>
       </p:sp>
+      <p:pic>
+        <p:nvPicPr>
+          <p:cNvPr id="5" name="Picture 4"/>
+          <p:cNvPicPr>
+            <a:picLocks noChangeAspect="1"/>
+          </p:cNvPicPr>
+          <p:nvPr/>
+        </p:nvPicPr>
+        <p:blipFill>
+          <a:blip r:embed="rId2" cstate="print">
+            <a:extLst>
+              <a:ext uri="{28A0092B-C50C-407E-A947-70E740481C1C}">
+                <a14:useLocalDpi xmlns:a14="http://schemas.microsoft.com/office/drawing/2010/main" val="0"/>
+              </a:ext>
+            </a:extLst>
+          </a:blip>
+          <a:stretch>
+            <a:fillRect/>
+          </a:stretch>
+        </p:blipFill>
+        <p:spPr>
+          <a:xfrm>
+            <a:off x="6598181" y="2621045"/>
+            <a:ext cx="4972807" cy="2797204"/>
+          </a:xfrm>
+          <a:prstGeom prst="rect">
+            <a:avLst/>
+          </a:prstGeom>
+        </p:spPr>
+      </p:pic>
+      <p:sp>
+        <p:nvSpPr>
+          <p:cNvPr id="6" name="TextBox 5"/>
+          <p:cNvSpPr txBox="1"/>
+          <p:nvPr/>
+        </p:nvSpPr>
+        <p:spPr>
+          <a:xfrm>
+            <a:off x="6598181" y="5418249"/>
+            <a:ext cx="4819650" cy="461665"/>
+          </a:xfrm>
+          <a:prstGeom prst="rect">
+            <a:avLst/>
+          </a:prstGeom>
+          <a:noFill/>
+        </p:spPr>
+        <p:txBody>
+          <a:bodyPr wrap="square" rtlCol="0">
+            <a:spAutoFit/>
+          </a:bodyPr>
+          <a:lstStyle/>
+          <a:p>
+            <a:r>
+              <a:rPr lang="en-GB" sz="800" dirty="0" err="1"/>
+              <a:t>Ducatelle</a:t>
+            </a:r>
+            <a:r>
+              <a:rPr lang="en-GB" sz="800" dirty="0"/>
+              <a:t> F., Di Caro G. A., </a:t>
+            </a:r>
+            <a:r>
+              <a:rPr lang="en-GB" sz="800" dirty="0" err="1"/>
+              <a:t>Pinciroli</a:t>
+            </a:r>
+            <a:r>
+              <a:rPr lang="en-GB" sz="800" dirty="0"/>
+              <a:t> C., </a:t>
+            </a:r>
+            <a:r>
+              <a:rPr lang="en-GB" sz="800" dirty="0" err="1"/>
+              <a:t>Mondada</a:t>
+            </a:r>
+            <a:r>
+              <a:rPr lang="en-GB" sz="800" dirty="0"/>
+              <a:t> F. and Gambardella L. M., Communication assisted navigation in robotic swarms: self-organization and cooperation</a:t>
+            </a:r>
+            <a:r>
+              <a:rPr lang="en-GB" sz="800" dirty="0" smtClean="0"/>
+              <a:t>. </a:t>
+            </a:r>
+            <a:r>
+              <a:rPr lang="en-GB" sz="800" i="1" dirty="0" smtClean="0"/>
+              <a:t>Proceedings </a:t>
+            </a:r>
+            <a:r>
+              <a:rPr lang="en-GB" sz="800" i="1" dirty="0"/>
+              <a:t>of the IEEE/RSJ International Conference on Intelligent Robots and Systems (IROS),</a:t>
+            </a:r>
+            <a:r>
+              <a:rPr lang="en-GB" sz="800" dirty="0"/>
+              <a:t> San Francisco, USA, September 25-30, 2011</a:t>
+            </a:r>
+            <a:endParaRPr lang="en-GB" sz="800" dirty="0"/>
+          </a:p>
+        </p:txBody>
+      </p:sp>
     </p:spTree>
     <p:extLst>
       <p:ext uri="{BB962C8B-B14F-4D97-AF65-F5344CB8AC3E}">
@@ -6440,6 +7034,13 @@
   <p:clrMapOvr>
     <a:masterClrMapping/>
   </p:clrMapOvr>
+  <p:timing>
+    <p:tnLst>
+      <p:par>
+        <p:cTn id="1" dur="indefinite" restart="never" nodeType="tmRoot"/>
+      </p:par>
+    </p:tnLst>
+  </p:timing>
 </p:sld>
 </file>
 
@@ -6686,6 +7287,13 @@
   <p:clrMapOvr>
     <a:masterClrMapping/>
   </p:clrMapOvr>
+  <p:timing>
+    <p:tnLst>
+      <p:par>
+        <p:cTn id="1" dur="indefinite" restart="never" nodeType="tmRoot"/>
+      </p:par>
+    </p:tnLst>
+  </p:timing>
 </p:sld>
 </file>
 
@@ -6762,7 +7370,12 @@
             <p:ph idx="1"/>
           </p:nvPr>
         </p:nvSpPr>
-        <p:spPr/>
+        <p:spPr>
+          <a:xfrm>
+            <a:off x="581193" y="2180496"/>
+            <a:ext cx="5660216" cy="3678303"/>
+          </a:xfrm>
+        </p:spPr>
         <p:txBody>
           <a:bodyPr anchor="t"/>
           <a:lstStyle/>
@@ -6901,6 +7514,107 @@
           </a:p>
         </p:txBody>
       </p:sp>
+      <p:pic>
+        <p:nvPicPr>
+          <p:cNvPr id="5" name="Picture 4"/>
+          <p:cNvPicPr>
+            <a:picLocks noChangeAspect="1"/>
+          </p:cNvPicPr>
+          <p:nvPr/>
+        </p:nvPicPr>
+        <p:blipFill>
+          <a:blip r:embed="rId2">
+            <a:extLst>
+              <a:ext uri="{28A0092B-C50C-407E-A947-70E740481C1C}">
+                <a14:useLocalDpi xmlns:a14="http://schemas.microsoft.com/office/drawing/2010/main" val="0"/>
+              </a:ext>
+            </a:extLst>
+          </a:blip>
+          <a:stretch>
+            <a:fillRect/>
+          </a:stretch>
+        </p:blipFill>
+        <p:spPr>
+          <a:xfrm>
+            <a:off x="6730372" y="2494511"/>
+            <a:ext cx="4880435" cy="3050272"/>
+          </a:xfrm>
+          <a:prstGeom prst="rect">
+            <a:avLst/>
+          </a:prstGeom>
+        </p:spPr>
+      </p:pic>
+      <p:pic>
+        <p:nvPicPr>
+          <p:cNvPr id="6" name="Picture 5"/>
+          <p:cNvPicPr>
+            <a:picLocks noChangeAspect="1"/>
+          </p:cNvPicPr>
+          <p:nvPr/>
+        </p:nvPicPr>
+        <p:blipFill rotWithShape="1">
+          <a:blip r:embed="rId3">
+            <a:extLst>
+              <a:ext uri="{BEBA8EAE-BF5A-486C-A8C5-ECC9F3942E4B}">
+                <a14:imgProps xmlns:a14="http://schemas.microsoft.com/office/drawing/2010/main">
+                  <a14:imgLayer r:embed="rId4">
+                    <a14:imgEffect>
+                      <a14:backgroundRemoval t="9752" b="73050" l="29610" r="69681"/>
+                    </a14:imgEffect>
+                  </a14:imgLayer>
+                </a14:imgProps>
+              </a:ext>
+              <a:ext uri="{28A0092B-C50C-407E-A947-70E740481C1C}">
+                <a14:useLocalDpi xmlns:a14="http://schemas.microsoft.com/office/drawing/2010/main" val="0"/>
+              </a:ext>
+            </a:extLst>
+          </a:blip>
+          <a:srcRect l="29283" t="8813" r="30428" b="27005"/>
+          <a:stretch/>
+        </p:blipFill>
+        <p:spPr>
+          <a:xfrm>
+            <a:off x="10359284" y="4203609"/>
+            <a:ext cx="1251523" cy="1993705"/>
+          </a:xfrm>
+          <a:prstGeom prst="rect">
+            <a:avLst/>
+          </a:prstGeom>
+        </p:spPr>
+      </p:pic>
+      <p:sp>
+        <p:nvSpPr>
+          <p:cNvPr id="7" name="TextBox 6"/>
+          <p:cNvSpPr txBox="1"/>
+          <p:nvPr/>
+        </p:nvSpPr>
+        <p:spPr>
+          <a:xfrm>
+            <a:off x="6806404" y="5640216"/>
+            <a:ext cx="3552880" cy="338554"/>
+          </a:xfrm>
+          <a:prstGeom prst="rect">
+            <a:avLst/>
+          </a:prstGeom>
+          <a:noFill/>
+        </p:spPr>
+        <p:txBody>
+          <a:bodyPr wrap="square" rtlCol="0">
+            <a:spAutoFit/>
+          </a:bodyPr>
+          <a:lstStyle/>
+          <a:p>
+            <a:r>
+              <a:rPr lang="en-GB" sz="800" dirty="0" smtClean="0"/>
+              <a:t>Microsoft HoloLens. © </a:t>
+            </a:r>
+            <a:r>
+              <a:rPr lang="en-GB" sz="800" dirty="0"/>
+              <a:t>Microsoft corporation. https://www.microsoft.com/microsoft-hololens/en-us/hardware</a:t>
+            </a:r>
+          </a:p>
+        </p:txBody>
+      </p:sp>
     </p:spTree>
     <p:extLst>
       <p:ext uri="{BB962C8B-B14F-4D97-AF65-F5344CB8AC3E}">
@@ -6911,6 +7625,13 @@
   <p:clrMapOvr>
     <a:masterClrMapping/>
   </p:clrMapOvr>
+  <p:timing>
+    <p:tnLst>
+      <p:par>
+        <p:cTn id="1" dur="indefinite" restart="never" nodeType="tmRoot"/>
+      </p:par>
+    </p:tnLst>
+  </p:timing>
 </p:sld>
 </file>
 
@@ -7142,6 +7863,13 @@
   <p:clrMapOvr>
     <a:masterClrMapping/>
   </p:clrMapOvr>
+  <p:timing>
+    <p:tnLst>
+      <p:par>
+        <p:cTn id="1" dur="indefinite" restart="never" nodeType="tmRoot"/>
+      </p:par>
+    </p:tnLst>
+  </p:timing>
 </p:sld>
 </file>
 
@@ -7419,6 +8147,13 @@
   <p:clrMapOvr>
     <a:masterClrMapping/>
   </p:clrMapOvr>
+  <p:timing>
+    <p:tnLst>
+      <p:par>
+        <p:cTn id="1" dur="indefinite" restart="never" nodeType="tmRoot"/>
+      </p:par>
+    </p:tnLst>
+  </p:timing>
 </p:sld>
 </file>
 
@@ -7619,6 +8354,13 @@
   <p:clrMapOvr>
     <a:masterClrMapping/>
   </p:clrMapOvr>
+  <p:timing>
+    <p:tnLst>
+      <p:par>
+        <p:cTn id="1" dur="indefinite" restart="never" nodeType="tmRoot"/>
+      </p:par>
+    </p:tnLst>
+  </p:timing>
 </p:sld>
 </file>
 
@@ -7707,15 +8449,11 @@
           <a:p>
             <a:r>
               <a:rPr lang="en-GB" dirty="0" smtClean="0"/>
-              <a:t>Robots </a:t>
-            </a:r>
-            <a:r>
-              <a:rPr lang="en-GB" dirty="0" smtClean="0"/>
-              <a:t>communicate data over </a:t>
+              <a:t>Robots communicate data over </a:t>
             </a:r>
             <a:r>
               <a:rPr lang="en-GB" dirty="0" err="1" smtClean="0"/>
-              <a:t>wifi</a:t>
+              <a:t>WiFi</a:t>
             </a:r>
             <a:endParaRPr lang="en-GB" dirty="0" smtClean="0"/>
           </a:p>
@@ -7844,7 +8582,7 @@
           <p:nvPr/>
         </p:nvPicPr>
         <p:blipFill>
-          <a:blip r:embed="rId2" cstate="print">
+          <a:blip r:embed="rId3" cstate="print">
             <a:extLst>
               <a:ext uri="{28A0092B-C50C-407E-A947-70E740481C1C}">
                 <a14:useLocalDpi xmlns:a14="http://schemas.microsoft.com/office/drawing/2010/main" val="0"/>
@@ -7875,6 +8613,13 @@
   <p:clrMapOvr>
     <a:masterClrMapping/>
   </p:clrMapOvr>
+  <p:timing>
+    <p:tnLst>
+      <p:par>
+        <p:cTn id="1" dur="indefinite" restart="never" nodeType="tmRoot"/>
+      </p:par>
+    </p:tnLst>
+  </p:timing>
 </p:sld>
 </file>
 
@@ -7989,11 +8734,7 @@
           <a:p>
             <a:r>
               <a:rPr lang="en-GB" dirty="0" smtClean="0"/>
-              <a:t>Model </a:t>
-            </a:r>
-            <a:r>
-              <a:rPr lang="en-GB" dirty="0" smtClean="0"/>
-              <a:t>stores data about the robot</a:t>
+              <a:t>Model stores data about the robot</a:t>
             </a:r>
           </a:p>
           <a:p>
@@ -8133,7 +8874,7 @@
           <p:nvPr/>
         </p:nvPicPr>
         <p:blipFill>
-          <a:blip r:embed="rId2" cstate="print">
+          <a:blip r:embed="rId2">
             <a:extLst>
               <a:ext uri="{28A0092B-C50C-407E-A947-70E740481C1C}">
                 <a14:useLocalDpi xmlns:a14="http://schemas.microsoft.com/office/drawing/2010/main" val="0"/>
@@ -8146,8 +8887,8 @@
         </p:blipFill>
         <p:spPr>
           <a:xfrm>
-            <a:off x="6056417" y="1868356"/>
-            <a:ext cx="5475007" cy="3759708"/>
+            <a:off x="6373906" y="2180496"/>
+            <a:ext cx="5291199" cy="3534504"/>
           </a:xfrm>
           <a:prstGeom prst="rect">
             <a:avLst/>
@@ -8441,4 +9182,265 @@
     </a:ext>
   </a:extLst>
 </a:theme>
+</file>
+
+<file path=ppt/theme/theme2.xml><?xml version="1.0" encoding="utf-8"?>
+<a:theme xmlns:a="http://schemas.openxmlformats.org/drawingml/2006/main" name="Office Theme">
+  <a:themeElements>
+    <a:clrScheme name="Office">
+      <a:dk1>
+        <a:sysClr val="windowText" lastClr="000000"/>
+      </a:dk1>
+      <a:lt1>
+        <a:sysClr val="window" lastClr="FFFFFF"/>
+      </a:lt1>
+      <a:dk2>
+        <a:srgbClr val="44546A"/>
+      </a:dk2>
+      <a:lt2>
+        <a:srgbClr val="E7E6E6"/>
+      </a:lt2>
+      <a:accent1>
+        <a:srgbClr val="5B9BD5"/>
+      </a:accent1>
+      <a:accent2>
+        <a:srgbClr val="ED7D31"/>
+      </a:accent2>
+      <a:accent3>
+        <a:srgbClr val="A5A5A5"/>
+      </a:accent3>
+      <a:accent4>
+        <a:srgbClr val="FFC000"/>
+      </a:accent4>
+      <a:accent5>
+        <a:srgbClr val="4472C4"/>
+      </a:accent5>
+      <a:accent6>
+        <a:srgbClr val="70AD47"/>
+      </a:accent6>
+      <a:hlink>
+        <a:srgbClr val="0563C1"/>
+      </a:hlink>
+      <a:folHlink>
+        <a:srgbClr val="954F72"/>
+      </a:folHlink>
+    </a:clrScheme>
+    <a:fontScheme name="Office">
+      <a:majorFont>
+        <a:latin typeface="Calibri Light" panose="020F0302020204030204"/>
+        <a:ea typeface=""/>
+        <a:cs typeface=""/>
+        <a:font script="Jpan" typeface="游ゴシック Light"/>
+        <a:font script="Hang" typeface="맑은 고딕"/>
+        <a:font script="Hans" typeface="等线 Light"/>
+        <a:font script="Hant" typeface="新細明體"/>
+        <a:font script="Arab" typeface="Times New Roman"/>
+        <a:font script="Hebr" typeface="Times New Roman"/>
+        <a:font script="Thai" typeface="Angsana New"/>
+        <a:font script="Ethi" typeface="Nyala"/>
+        <a:font script="Beng" typeface="Vrinda"/>
+        <a:font script="Gujr" typeface="Shruti"/>
+        <a:font script="Khmr" typeface="MoolBoran"/>
+        <a:font script="Knda" typeface="Tunga"/>
+        <a:font script="Guru" typeface="Raavi"/>
+        <a:font script="Cans" typeface="Euphemia"/>
+        <a:font script="Cher" typeface="Plantagenet Cherokee"/>
+        <a:font script="Yiii" typeface="Microsoft Yi Baiti"/>
+        <a:font script="Tibt" typeface="Microsoft Himalaya"/>
+        <a:font script="Thaa" typeface="MV Boli"/>
+        <a:font script="Deva" typeface="Mangal"/>
+        <a:font script="Telu" typeface="Gautami"/>
+        <a:font script="Taml" typeface="Latha"/>
+        <a:font script="Syrc" typeface="Estrangelo Edessa"/>
+        <a:font script="Orya" typeface="Kalinga"/>
+        <a:font script="Mlym" typeface="Kartika"/>
+        <a:font script="Laoo" typeface="DokChampa"/>
+        <a:font script="Sinh" typeface="Iskoola Pota"/>
+        <a:font script="Mong" typeface="Mongolian Baiti"/>
+        <a:font script="Viet" typeface="Times New Roman"/>
+        <a:font script="Uigh" typeface="Microsoft Uighur"/>
+        <a:font script="Geor" typeface="Sylfaen"/>
+      </a:majorFont>
+      <a:minorFont>
+        <a:latin typeface="Calibri" panose="020F0502020204030204"/>
+        <a:ea typeface=""/>
+        <a:cs typeface=""/>
+        <a:font script="Jpan" typeface="游ゴシック"/>
+        <a:font script="Hang" typeface="맑은 고딕"/>
+        <a:font script="Hans" typeface="等线"/>
+        <a:font script="Hant" typeface="新細明體"/>
+        <a:font script="Arab" typeface="Arial"/>
+        <a:font script="Hebr" typeface="Arial"/>
+        <a:font script="Thai" typeface="Cordia New"/>
+        <a:font script="Ethi" typeface="Nyala"/>
+        <a:font script="Beng" typeface="Vrinda"/>
+        <a:font script="Gujr" typeface="Shruti"/>
+        <a:font script="Khmr" typeface="DaunPenh"/>
+        <a:font script="Knda" typeface="Tunga"/>
+        <a:font script="Guru" typeface="Raavi"/>
+        <a:font script="Cans" typeface="Euphemia"/>
+        <a:font script="Cher" typeface="Plantagenet Cherokee"/>
+        <a:font script="Yiii" typeface="Microsoft Yi Baiti"/>
+        <a:font script="Tibt" typeface="Microsoft Himalaya"/>
+        <a:font script="Thaa" typeface="MV Boli"/>
+        <a:font script="Deva" typeface="Mangal"/>
+        <a:font script="Telu" typeface="Gautami"/>
+        <a:font script="Taml" typeface="Latha"/>
+        <a:font script="Syrc" typeface="Estrangelo Edessa"/>
+        <a:font script="Orya" typeface="Kalinga"/>
+        <a:font script="Mlym" typeface="Kartika"/>
+        <a:font script="Laoo" typeface="DokChampa"/>
+        <a:font script="Sinh" typeface="Iskoola Pota"/>
+        <a:font script="Mong" typeface="Mongolian Baiti"/>
+        <a:font script="Viet" typeface="Arial"/>
+        <a:font script="Uigh" typeface="Microsoft Uighur"/>
+        <a:font script="Geor" typeface="Sylfaen"/>
+      </a:minorFont>
+    </a:fontScheme>
+    <a:fmtScheme name="Office">
+      <a:fillStyleLst>
+        <a:solidFill>
+          <a:schemeClr val="phClr"/>
+        </a:solidFill>
+        <a:gradFill rotWithShape="1">
+          <a:gsLst>
+            <a:gs pos="0">
+              <a:schemeClr val="phClr">
+                <a:lumMod val="110000"/>
+                <a:satMod val="105000"/>
+                <a:tint val="67000"/>
+              </a:schemeClr>
+            </a:gs>
+            <a:gs pos="50000">
+              <a:schemeClr val="phClr">
+                <a:lumMod val="105000"/>
+                <a:satMod val="103000"/>
+                <a:tint val="73000"/>
+              </a:schemeClr>
+            </a:gs>
+            <a:gs pos="100000">
+              <a:schemeClr val="phClr">
+                <a:lumMod val="105000"/>
+                <a:satMod val="109000"/>
+                <a:tint val="81000"/>
+              </a:schemeClr>
+            </a:gs>
+          </a:gsLst>
+          <a:lin ang="5400000" scaled="0"/>
+        </a:gradFill>
+        <a:gradFill rotWithShape="1">
+          <a:gsLst>
+            <a:gs pos="0">
+              <a:schemeClr val="phClr">
+                <a:satMod val="103000"/>
+                <a:lumMod val="102000"/>
+                <a:tint val="94000"/>
+              </a:schemeClr>
+            </a:gs>
+            <a:gs pos="50000">
+              <a:schemeClr val="phClr">
+                <a:satMod val="110000"/>
+                <a:lumMod val="100000"/>
+                <a:shade val="100000"/>
+              </a:schemeClr>
+            </a:gs>
+            <a:gs pos="100000">
+              <a:schemeClr val="phClr">
+                <a:lumMod val="99000"/>
+                <a:satMod val="120000"/>
+                <a:shade val="78000"/>
+              </a:schemeClr>
+            </a:gs>
+          </a:gsLst>
+          <a:lin ang="5400000" scaled="0"/>
+        </a:gradFill>
+      </a:fillStyleLst>
+      <a:lnStyleLst>
+        <a:ln w="6350" cap="flat" cmpd="sng" algn="ctr">
+          <a:solidFill>
+            <a:schemeClr val="phClr"/>
+          </a:solidFill>
+          <a:prstDash val="solid"/>
+          <a:miter lim="800000"/>
+        </a:ln>
+        <a:ln w="12700" cap="flat" cmpd="sng" algn="ctr">
+          <a:solidFill>
+            <a:schemeClr val="phClr"/>
+          </a:solidFill>
+          <a:prstDash val="solid"/>
+          <a:miter lim="800000"/>
+        </a:ln>
+        <a:ln w="19050" cap="flat" cmpd="sng" algn="ctr">
+          <a:solidFill>
+            <a:schemeClr val="phClr"/>
+          </a:solidFill>
+          <a:prstDash val="solid"/>
+          <a:miter lim="800000"/>
+        </a:ln>
+      </a:lnStyleLst>
+      <a:effectStyleLst>
+        <a:effectStyle>
+          <a:effectLst/>
+        </a:effectStyle>
+        <a:effectStyle>
+          <a:effectLst/>
+        </a:effectStyle>
+        <a:effectStyle>
+          <a:effectLst>
+            <a:outerShdw blurRad="57150" dist="19050" dir="5400000" algn="ctr" rotWithShape="0">
+              <a:srgbClr val="000000">
+                <a:alpha val="63000"/>
+              </a:srgbClr>
+            </a:outerShdw>
+          </a:effectLst>
+        </a:effectStyle>
+      </a:effectStyleLst>
+      <a:bgFillStyleLst>
+        <a:solidFill>
+          <a:schemeClr val="phClr"/>
+        </a:solidFill>
+        <a:solidFill>
+          <a:schemeClr val="phClr">
+            <a:tint val="95000"/>
+            <a:satMod val="170000"/>
+          </a:schemeClr>
+        </a:solidFill>
+        <a:gradFill rotWithShape="1">
+          <a:gsLst>
+            <a:gs pos="0">
+              <a:schemeClr val="phClr">
+                <a:tint val="93000"/>
+                <a:satMod val="150000"/>
+                <a:shade val="98000"/>
+                <a:lumMod val="102000"/>
+              </a:schemeClr>
+            </a:gs>
+            <a:gs pos="50000">
+              <a:schemeClr val="phClr">
+                <a:tint val="98000"/>
+                <a:satMod val="130000"/>
+                <a:shade val="90000"/>
+                <a:lumMod val="103000"/>
+              </a:schemeClr>
+            </a:gs>
+            <a:gs pos="100000">
+              <a:schemeClr val="phClr">
+                <a:shade val="63000"/>
+                <a:satMod val="120000"/>
+              </a:schemeClr>
+            </a:gs>
+          </a:gsLst>
+          <a:lin ang="5400000" scaled="0"/>
+        </a:gradFill>
+      </a:bgFillStyleLst>
+    </a:fmtScheme>
+  </a:themeElements>
+  <a:objectDefaults/>
+  <a:extraClrSchemeLst/>
+  <a:extLst>
+    <a:ext uri="{05A4C25C-085E-4340-85A3-A5531E510DB2}">
+      <thm15:themeFamily xmlns:thm15="http://schemas.microsoft.com/office/thememl/2012/main" name="Office Theme" id="{62F939B6-93AF-4DB8-9C6B-D6C7DFDC589F}" vid="{4A3C46E8-61CC-4603-A589-7422A47A8E4A}"/>
+    </a:ext>
+  </a:extLst>
+</a:theme>
 </file>